--- a/other-project-files/Lead Scoring Case Study FINAL.pptx
+++ b/other-project-files/Lead Scoring Case Study FINAL.pptx
@@ -2715,7 +2715,7 @@
           <a:p>
             <a:fld id="{3F00BCFC-AFFD-334C-A183-6116BAFDF92B}" type="datetimeFigureOut">
               <a:rPr lang="en-US" smtClean="0"/>
-              <a:t>10/21/2024</a:t>
+              <a:t>10/22/2024</a:t>
             </a:fld>
             <a:endParaRPr lang="en-US" dirty="0"/>
           </a:p>
@@ -21532,7 +21532,7 @@
                 <a:ea typeface="+mj-ea"/>
                 <a:cs typeface="Times New Roman" panose="02020603050405020304" pitchFamily="18" charset="0"/>
               </a:rPr>
-              <a:t>multivariate plot</a:t>
+              <a:t>Heatmap correlation</a:t>
             </a:r>
           </a:p>
         </p:txBody>
@@ -21553,8 +21553,8 @@
         </p:nvSpPr>
         <p:spPr bwMode="auto">
           <a:xfrm>
-            <a:off x="2607734" y="5682359"/>
-            <a:ext cx="7222066" cy="649481"/>
+            <a:off x="2607733" y="6146233"/>
+            <a:ext cx="8590354" cy="657145"/>
           </a:xfrm>
           <a:prstGeom prst="rect">
             <a:avLst/>
@@ -21620,7 +21620,73 @@
                 <a:ea typeface="+mj-ea"/>
                 <a:cs typeface="Times New Roman" panose="02020603050405020304" pitchFamily="18" charset="0"/>
               </a:rPr>
-              <a:t>There are not much correlations between variables  </a:t>
+              <a:t>Highly correlated variable among the dummy variables is between </a:t>
+            </a:r>
+            <a:r>
+              <a:rPr lang="en-US" altLang="en-US" sz="1000" cap="all" dirty="0" err="1">
+                <a:solidFill>
+                  <a:srgbClr val="FFC000"/>
+                </a:solidFill>
+                <a:latin typeface="Aptos Display" panose="020B0004020202020204" pitchFamily="34" charset="0"/>
+                <a:ea typeface="+mj-ea"/>
+                <a:cs typeface="Times New Roman" panose="02020603050405020304" pitchFamily="18" charset="0"/>
+              </a:rPr>
+              <a:t>lead_origin_Lead</a:t>
+            </a:r>
+            <a:r>
+              <a:rPr lang="en-US" altLang="en-US" sz="1000" cap="all" dirty="0">
+                <a:solidFill>
+                  <a:srgbClr val="FFC000"/>
+                </a:solidFill>
+                <a:latin typeface="Aptos Display" panose="020B0004020202020204" pitchFamily="34" charset="0"/>
+                <a:ea typeface="+mj-ea"/>
+                <a:cs typeface="Times New Roman" panose="02020603050405020304" pitchFamily="18" charset="0"/>
+              </a:rPr>
+              <a:t> </a:t>
+            </a:r>
+            <a:r>
+              <a:rPr lang="en-US" altLang="en-US" sz="1000" cap="all" dirty="0" err="1">
+                <a:solidFill>
+                  <a:srgbClr val="FFC000"/>
+                </a:solidFill>
+                <a:latin typeface="Aptos Display" panose="020B0004020202020204" pitchFamily="34" charset="0"/>
+                <a:ea typeface="+mj-ea"/>
+                <a:cs typeface="Times New Roman" panose="02020603050405020304" pitchFamily="18" charset="0"/>
+              </a:rPr>
+              <a:t>ImporT</a:t>
+            </a:r>
+            <a:r>
+              <a:rPr lang="en-US" altLang="en-US" sz="1000" cap="all" dirty="0">
+                <a:solidFill>
+                  <a:srgbClr val="FFC000"/>
+                </a:solidFill>
+                <a:latin typeface="Aptos Display" panose="020B0004020202020204" pitchFamily="34" charset="0"/>
+                <a:ea typeface="+mj-ea"/>
+                <a:cs typeface="Times New Roman" panose="02020603050405020304" pitchFamily="18" charset="0"/>
+              </a:rPr>
+              <a:t> and </a:t>
+            </a:r>
+            <a:r>
+              <a:rPr lang="en-US" altLang="en-US" sz="1000" cap="all" dirty="0" err="1">
+                <a:solidFill>
+                  <a:srgbClr val="FFC000"/>
+                </a:solidFill>
+                <a:latin typeface="Aptos Display" panose="020B0004020202020204" pitchFamily="34" charset="0"/>
+                <a:ea typeface="+mj-ea"/>
+                <a:cs typeface="Times New Roman" panose="02020603050405020304" pitchFamily="18" charset="0"/>
+              </a:rPr>
+              <a:t>lead_source_Facebook</a:t>
+            </a:r>
+            <a:r>
+              <a:rPr lang="en-US" altLang="en-US" sz="1000" cap="all" dirty="0">
+                <a:solidFill>
+                  <a:srgbClr val="FFC000"/>
+                </a:solidFill>
+                <a:latin typeface="Aptos Display" panose="020B0004020202020204" pitchFamily="34" charset="0"/>
+                <a:ea typeface="+mj-ea"/>
+                <a:cs typeface="Times New Roman" panose="02020603050405020304" pitchFamily="18" charset="0"/>
+              </a:rPr>
+              <a:t> </a:t>
             </a:r>
           </a:p>
           <a:p>
@@ -21638,10 +21704,10 @@
       </p:sp>
       <p:pic>
         <p:nvPicPr>
-          <p:cNvPr id="5" name="Picture 4">
-            <a:extLst>
-              <a:ext uri="{FF2B5EF4-FFF2-40B4-BE49-F238E27FC236}">
-                <a16:creationId xmlns:a16="http://schemas.microsoft.com/office/drawing/2014/main" id="{71485F3F-38E9-A3E2-6513-4072AA0E9969}"/>
+          <p:cNvPr id="6" name="Picture 5">
+            <a:extLst>
+              <a:ext uri="{FF2B5EF4-FFF2-40B4-BE49-F238E27FC236}">
+                <a16:creationId xmlns:a16="http://schemas.microsoft.com/office/drawing/2014/main" id="{DC3D9BA4-CBE9-236E-FEEB-166A0FF24EE8}"/>
               </a:ext>
             </a:extLst>
           </p:cNvPr>
@@ -21658,8 +21724,8 @@
         </p:blipFill>
         <p:spPr>
           <a:xfrm>
-            <a:off x="402166" y="1993389"/>
-            <a:ext cx="11387667" cy="2871222"/>
+            <a:off x="424070" y="1367046"/>
+            <a:ext cx="11184834" cy="4993997"/>
           </a:xfrm>
           <a:prstGeom prst="rect">
             <a:avLst/>
@@ -28961,6 +29027,26 @@
 </file>
 
 <file path=customXml/item2.xml><?xml version="1.0" encoding="utf-8"?>
+<p:properties xmlns:p="http://schemas.microsoft.com/office/2006/metadata/properties" xmlns:xsi="http://www.w3.org/2001/XMLSchema-instance" xmlns:pc="http://schemas.microsoft.com/office/infopath/2007/PartnerControls">
+  <documentManagement>
+    <_ip_UnifiedCompliancePolicyUIAction xmlns="http://schemas.microsoft.com/sharepoint/v3" xsi:nil="true"/>
+    <Image xmlns="71af3243-3dd4-4a8d-8c0d-dd76da1f02a5">
+      <Url xsi:nil="true"/>
+      <Description xsi:nil="true"/>
+    </Image>
+    <Status xmlns="71af3243-3dd4-4a8d-8c0d-dd76da1f02a5">Not started</Status>
+    <Background xmlns="71af3243-3dd4-4a8d-8c0d-dd76da1f02a5">false</Background>
+    <_ip_UnifiedCompliancePolicyProperties xmlns="http://schemas.microsoft.com/sharepoint/v3" xsi:nil="true"/>
+    <ImageTagsTaxHTField xmlns="71af3243-3dd4-4a8d-8c0d-dd76da1f02a5">
+      <Terms xmlns="http://schemas.microsoft.com/office/infopath/2007/PartnerControls"/>
+    </ImageTagsTaxHTField>
+    <TaxCatchAll xmlns="230e9df3-be65-4c73-a93b-d1236ebd677e" xsi:nil="true"/>
+    <MediaServiceKeyPoints xmlns="71af3243-3dd4-4a8d-8c0d-dd76da1f02a5" xsi:nil="true"/>
+  </documentManagement>
+</p:properties>
+</file>
+
+<file path=customXml/item3.xml><?xml version="1.0" encoding="utf-8"?>
 <ct:contentTypeSchema xmlns:ct="http://schemas.microsoft.com/office/2006/metadata/contentType" xmlns:ma="http://schemas.microsoft.com/office/2006/metadata/properties/metaAttributes" ct:_="" ma:_="" ma:contentTypeName="Document" ma:contentTypeID="0x01010079F111ED35F8CC479449609E8A0923A6" ma:contentTypeVersion="25" ma:contentTypeDescription="Create a new document." ma:contentTypeScope="" ma:versionID="e02306daf00165b375dc6a58966960be">
   <xsd:schema xmlns:xsd="http://www.w3.org/2001/XMLSchema" xmlns:xs="http://www.w3.org/2001/XMLSchema" xmlns:p="http://schemas.microsoft.com/office/2006/metadata/properties" xmlns:ns1="http://schemas.microsoft.com/sharepoint/v3" xmlns:ns2="71af3243-3dd4-4a8d-8c0d-dd76da1f02a5" xmlns:ns3="16c05727-aa75-4e4a-9b5f-8a80a1165891" xmlns:ns4="230e9df3-be65-4c73-a93b-d1236ebd677e" targetNamespace="http://schemas.microsoft.com/office/2006/metadata/properties" ma:root="true" ma:fieldsID="df88fb76bf5f555224557953949c1ec9" ns1:_="" ns2:_="" ns3:_="" ns4:_="">
     <xsd:import namespace="http://schemas.microsoft.com/sharepoint/v3"/>
@@ -29254,26 +29340,6 @@
 </ct:contentTypeSchema>
 </file>
 
-<file path=customXml/item3.xml><?xml version="1.0" encoding="utf-8"?>
-<p:properties xmlns:p="http://schemas.microsoft.com/office/2006/metadata/properties" xmlns:xsi="http://www.w3.org/2001/XMLSchema-instance" xmlns:pc="http://schemas.microsoft.com/office/infopath/2007/PartnerControls">
-  <documentManagement>
-    <_ip_UnifiedCompliancePolicyUIAction xmlns="http://schemas.microsoft.com/sharepoint/v3" xsi:nil="true"/>
-    <Image xmlns="71af3243-3dd4-4a8d-8c0d-dd76da1f02a5">
-      <Url xsi:nil="true"/>
-      <Description xsi:nil="true"/>
-    </Image>
-    <Status xmlns="71af3243-3dd4-4a8d-8c0d-dd76da1f02a5">Not started</Status>
-    <Background xmlns="71af3243-3dd4-4a8d-8c0d-dd76da1f02a5">false</Background>
-    <_ip_UnifiedCompliancePolicyProperties xmlns="http://schemas.microsoft.com/sharepoint/v3" xsi:nil="true"/>
-    <ImageTagsTaxHTField xmlns="71af3243-3dd4-4a8d-8c0d-dd76da1f02a5">
-      <Terms xmlns="http://schemas.microsoft.com/office/infopath/2007/PartnerControls"/>
-    </ImageTagsTaxHTField>
-    <TaxCatchAll xmlns="230e9df3-be65-4c73-a93b-d1236ebd677e" xsi:nil="true"/>
-    <MediaServiceKeyPoints xmlns="71af3243-3dd4-4a8d-8c0d-dd76da1f02a5" xsi:nil="true"/>
-  </documentManagement>
-</p:properties>
-</file>
-
 <file path=customXml/itemProps1.xml><?xml version="1.0" encoding="utf-8"?>
 <ds:datastoreItem xmlns:ds="http://schemas.openxmlformats.org/officeDocument/2006/customXml" ds:itemID="{4F1F1912-3146-44AF-A389-9E8B77BB3688}">
   <ds:schemaRefs>
@@ -29283,6 +29349,18 @@
 </file>
 
 <file path=customXml/itemProps2.xml><?xml version="1.0" encoding="utf-8"?>
+<ds:datastoreItem xmlns:ds="http://schemas.openxmlformats.org/officeDocument/2006/customXml" ds:itemID="{F8B8ECF1-2A9D-464C-AFE8-2B3295D0BF97}">
+  <ds:schemaRefs>
+    <ds:schemaRef ds:uri="http://schemas.microsoft.com/office/2006/metadata/properties"/>
+    <ds:schemaRef ds:uri="http://schemas.microsoft.com/office/infopath/2007/PartnerControls"/>
+    <ds:schemaRef ds:uri="http://schemas.microsoft.com/sharepoint/v3"/>
+    <ds:schemaRef ds:uri="71af3243-3dd4-4a8d-8c0d-dd76da1f02a5"/>
+    <ds:schemaRef ds:uri="230e9df3-be65-4c73-a93b-d1236ebd677e"/>
+  </ds:schemaRefs>
+</ds:datastoreItem>
+</file>
+
+<file path=customXml/itemProps3.xml><?xml version="1.0" encoding="utf-8"?>
 <ds:datastoreItem xmlns:ds="http://schemas.openxmlformats.org/officeDocument/2006/customXml" ds:itemID="{176493A3-2B83-4E58-86AD-56A2F2A20F12}">
   <ds:schemaRefs>
     <ds:schemaRef ds:uri="http://schemas.microsoft.com/office/2006/metadata/contentType"/>
@@ -29303,18 +29381,6 @@
 </ds:datastoreItem>
 </file>
 
-<file path=customXml/itemProps3.xml><?xml version="1.0" encoding="utf-8"?>
-<ds:datastoreItem xmlns:ds="http://schemas.openxmlformats.org/officeDocument/2006/customXml" ds:itemID="{F8B8ECF1-2A9D-464C-AFE8-2B3295D0BF97}">
-  <ds:schemaRefs>
-    <ds:schemaRef ds:uri="http://schemas.microsoft.com/office/2006/metadata/properties"/>
-    <ds:schemaRef ds:uri="http://schemas.microsoft.com/office/infopath/2007/PartnerControls"/>
-    <ds:schemaRef ds:uri="http://schemas.microsoft.com/sharepoint/v3"/>
-    <ds:schemaRef ds:uri="71af3243-3dd4-4a8d-8c0d-dd76da1f02a5"/>
-    <ds:schemaRef ds:uri="230e9df3-be65-4c73-a93b-d1236ebd677e"/>
-  </ds:schemaRefs>
-</ds:datastoreItem>
-</file>
-
 <file path=docMetadata/LabelInfo.xml><?xml version="1.0" encoding="utf-8"?>
 <clbl:labelList xmlns:clbl="http://schemas.microsoft.com/office/2020/mipLabelMetadata"/>
 </file>